--- a/android.pptx
+++ b/android.pptx
@@ -7,6 +7,13 @@
   <p:sldIdLst>
     <p:sldId id="256" r:id="rId2"/>
     <p:sldId id="259" r:id="rId3"/>
+    <p:sldId id="260" r:id="rId4"/>
+    <p:sldId id="261" r:id="rId5"/>
+    <p:sldId id="265" r:id="rId6"/>
+    <p:sldId id="266" r:id="rId7"/>
+    <p:sldId id="267" r:id="rId8"/>
+    <p:sldId id="268" r:id="rId9"/>
+    <p:sldId id="269" r:id="rId10"/>
   </p:sldIdLst>
   <p:sldSz cx="12192000" cy="6858000"/>
   <p:notesSz cx="6858000" cy="9144000"/>
@@ -105,6 +112,11 @@
       </a:defRPr>
     </a:lvl9pPr>
   </p:defaultTextStyle>
+  <p:extLst>
+    <p:ext uri="{EFAFB233-063F-42B5-8137-9DF3F51BA10A}">
+      <p15:sldGuideLst xmlns:p15="http://schemas.microsoft.com/office/powerpoint/2012/main"/>
+    </p:ext>
+  </p:extLst>
 </p:presentation>
 </file>
 
@@ -257,7 +269,7 @@
           <a:p>
             <a:fld id="{A58962BC-8DC4-40FB-8B16-EDA1AE3C6BC2}" type="datetimeFigureOut">
               <a:rPr lang="es-MX" smtClean="0"/>
-              <a:t>03/02/2022</a:t>
+              <a:t>15/03/2022</a:t>
             </a:fld>
             <a:endParaRPr lang="es-MX"/>
           </a:p>
@@ -457,7 +469,7 @@
           <a:p>
             <a:fld id="{A58962BC-8DC4-40FB-8B16-EDA1AE3C6BC2}" type="datetimeFigureOut">
               <a:rPr lang="es-MX" smtClean="0"/>
-              <a:t>03/02/2022</a:t>
+              <a:t>15/03/2022</a:t>
             </a:fld>
             <a:endParaRPr lang="es-MX"/>
           </a:p>
@@ -667,7 +679,7 @@
           <a:p>
             <a:fld id="{A58962BC-8DC4-40FB-8B16-EDA1AE3C6BC2}" type="datetimeFigureOut">
               <a:rPr lang="es-MX" smtClean="0"/>
-              <a:t>03/02/2022</a:t>
+              <a:t>15/03/2022</a:t>
             </a:fld>
             <a:endParaRPr lang="es-MX"/>
           </a:p>
@@ -867,7 +879,7 @@
           <a:p>
             <a:fld id="{A58962BC-8DC4-40FB-8B16-EDA1AE3C6BC2}" type="datetimeFigureOut">
               <a:rPr lang="es-MX" smtClean="0"/>
-              <a:t>03/02/2022</a:t>
+              <a:t>15/03/2022</a:t>
             </a:fld>
             <a:endParaRPr lang="es-MX"/>
           </a:p>
@@ -1143,7 +1155,7 @@
           <a:p>
             <a:fld id="{A58962BC-8DC4-40FB-8B16-EDA1AE3C6BC2}" type="datetimeFigureOut">
               <a:rPr lang="es-MX" smtClean="0"/>
-              <a:t>03/02/2022</a:t>
+              <a:t>15/03/2022</a:t>
             </a:fld>
             <a:endParaRPr lang="es-MX"/>
           </a:p>
@@ -1411,7 +1423,7 @@
           <a:p>
             <a:fld id="{A58962BC-8DC4-40FB-8B16-EDA1AE3C6BC2}" type="datetimeFigureOut">
               <a:rPr lang="es-MX" smtClean="0"/>
-              <a:t>03/02/2022</a:t>
+              <a:t>15/03/2022</a:t>
             </a:fld>
             <a:endParaRPr lang="es-MX"/>
           </a:p>
@@ -1826,7 +1838,7 @@
           <a:p>
             <a:fld id="{A58962BC-8DC4-40FB-8B16-EDA1AE3C6BC2}" type="datetimeFigureOut">
               <a:rPr lang="es-MX" smtClean="0"/>
-              <a:t>03/02/2022</a:t>
+              <a:t>15/03/2022</a:t>
             </a:fld>
             <a:endParaRPr lang="es-MX"/>
           </a:p>
@@ -1968,7 +1980,7 @@
           <a:p>
             <a:fld id="{A58962BC-8DC4-40FB-8B16-EDA1AE3C6BC2}" type="datetimeFigureOut">
               <a:rPr lang="es-MX" smtClean="0"/>
-              <a:t>03/02/2022</a:t>
+              <a:t>15/03/2022</a:t>
             </a:fld>
             <a:endParaRPr lang="es-MX"/>
           </a:p>
@@ -2081,7 +2093,7 @@
           <a:p>
             <a:fld id="{A58962BC-8DC4-40FB-8B16-EDA1AE3C6BC2}" type="datetimeFigureOut">
               <a:rPr lang="es-MX" smtClean="0"/>
-              <a:t>03/02/2022</a:t>
+              <a:t>15/03/2022</a:t>
             </a:fld>
             <a:endParaRPr lang="es-MX"/>
           </a:p>
@@ -2394,7 +2406,7 @@
           <a:p>
             <a:fld id="{A58962BC-8DC4-40FB-8B16-EDA1AE3C6BC2}" type="datetimeFigureOut">
               <a:rPr lang="es-MX" smtClean="0"/>
-              <a:t>03/02/2022</a:t>
+              <a:t>15/03/2022</a:t>
             </a:fld>
             <a:endParaRPr lang="es-MX"/>
           </a:p>
@@ -2683,7 +2695,7 @@
           <a:p>
             <a:fld id="{A58962BC-8DC4-40FB-8B16-EDA1AE3C6BC2}" type="datetimeFigureOut">
               <a:rPr lang="es-MX" smtClean="0"/>
-              <a:t>03/02/2022</a:t>
+              <a:t>15/03/2022</a:t>
             </a:fld>
             <a:endParaRPr lang="es-MX"/>
           </a:p>
@@ -2926,7 +2938,7 @@
           <a:p>
             <a:fld id="{A58962BC-8DC4-40FB-8B16-EDA1AE3C6BC2}" type="datetimeFigureOut">
               <a:rPr lang="es-MX" smtClean="0"/>
-              <a:t>03/02/2022</a:t>
+              <a:t>15/03/2022</a:t>
             </a:fld>
             <a:endParaRPr lang="es-MX"/>
           </a:p>
@@ -3411,19 +3423,19 @@
       </p:grpSpPr>
       <p:pic>
         <p:nvPicPr>
-          <p:cNvPr id="1026" name="Picture 2" descr="logo verde android studio fondo negro">
-            <a:extLst>
-              <a:ext uri="{FF2B5EF4-FFF2-40B4-BE49-F238E27FC236}">
-                <a16:creationId xmlns:a16="http://schemas.microsoft.com/office/drawing/2014/main" id="{5BAF7E3D-6988-452F-8F3A-ACC2802CAB03}"/>
+          <p:cNvPr id="3" name="Imagen 2">
+            <a:extLst>
+              <a:ext uri="{FF2B5EF4-FFF2-40B4-BE49-F238E27FC236}">
+                <a16:creationId xmlns:a16="http://schemas.microsoft.com/office/drawing/2014/main" id="{3E970590-D3F2-4065-B041-DCEC92BD46AF}"/>
               </a:ext>
             </a:extLst>
           </p:cNvPr>
           <p:cNvPicPr>
-            <a:picLocks noChangeAspect="1" noChangeArrowheads="1"/>
+            <a:picLocks noChangeAspect="1"/>
           </p:cNvPicPr>
           <p:nvPr/>
         </p:nvPicPr>
-        <p:blipFill rotWithShape="1">
+        <p:blipFill>
           <a:blip r:embed="rId2">
             <a:extLst>
               <a:ext uri="{28A0092B-C50C-407E-A947-70E740481C1C}">
@@ -3431,33 +3443,777 @@
               </a:ext>
             </a:extLst>
           </a:blip>
-          <a:srcRect t="18666" b="15667"/>
-          <a:stretch/>
+          <a:stretch>
+            <a:fillRect/>
+          </a:stretch>
         </p:blipFill>
-        <p:spPr bwMode="auto">
+        <p:spPr>
           <a:xfrm>
-            <a:off x="0" y="1333500"/>
-            <a:ext cx="7620000" cy="3752850"/>
+            <a:off x="757476" y="742950"/>
+            <a:ext cx="3861635" cy="5686425"/>
           </a:xfrm>
           <a:prstGeom prst="rect">
             <a:avLst/>
           </a:prstGeom>
-          <a:noFill/>
-          <a:extLst>
-            <a:ext uri="{909E8E84-426E-40DD-AFC4-6F175D3DCCD1}">
-              <a14:hiddenFill xmlns:a14="http://schemas.microsoft.com/office/drawing/2010/main">
+        </p:spPr>
+      </p:pic>
+      <p:sp>
+        <p:nvSpPr>
+          <p:cNvPr id="4" name="Título 1">
+            <a:extLst>
+              <a:ext uri="{FF2B5EF4-FFF2-40B4-BE49-F238E27FC236}">
+                <a16:creationId xmlns:a16="http://schemas.microsoft.com/office/drawing/2014/main" id="{940AD0D9-5D50-4FFD-B70E-1EA2BF60E284}"/>
+              </a:ext>
+            </a:extLst>
+          </p:cNvPr>
+          <p:cNvSpPr txBox="1">
+            <a:spLocks/>
+          </p:cNvSpPr>
+          <p:nvPr/>
+        </p:nvSpPr>
+        <p:spPr>
+          <a:xfrm>
+            <a:off x="5557421" y="676275"/>
+            <a:ext cx="5796378" cy="1014413"/>
+          </a:xfrm>
+          <a:prstGeom prst="rect">
+            <a:avLst/>
+          </a:prstGeom>
+        </p:spPr>
+        <p:txBody>
+          <a:bodyPr vert="horz" lIns="91440" tIns="45720" rIns="91440" bIns="45720" rtlCol="0" anchor="b">
+            <a:normAutofit/>
+          </a:bodyPr>
+          <a:lstStyle>
+            <a:lvl1pPr algn="ctr" defTabSz="914400" rtl="0" eaLnBrk="1" latinLnBrk="0" hangingPunct="1">
+              <a:lnSpc>
+                <a:spcPct val="90000"/>
+              </a:lnSpc>
+              <a:spcBef>
+                <a:spcPct val="0"/>
+              </a:spcBef>
+              <a:buNone/>
+              <a:defRPr sz="6000" kern="1200">
                 <a:solidFill>
-                  <a:srgbClr val="FFFFFF"/>
+                  <a:schemeClr val="tx1"/>
                 </a:solidFill>
-              </a14:hiddenFill>
-            </a:ext>
-          </a:extLst>
+                <a:latin typeface="+mj-lt"/>
+                <a:ea typeface="+mj-ea"/>
+                <a:cs typeface="+mj-cs"/>
+              </a:defRPr>
+            </a:lvl1pPr>
+          </a:lstStyle>
+          <a:p>
+            <a:pPr algn="l"/>
+            <a:r>
+              <a:rPr lang="es-MX" dirty="0"/>
+              <a:t>OS Android</a:t>
+            </a:r>
+          </a:p>
+        </p:txBody>
+      </p:sp>
+    </p:spTree>
+    <p:extLst>
+      <p:ext uri="{BB962C8B-B14F-4D97-AF65-F5344CB8AC3E}">
+        <p14:creationId xmlns:p14="http://schemas.microsoft.com/office/powerpoint/2010/main" val="2363198475"/>
+      </p:ext>
+    </p:extLst>
+  </p:cSld>
+  <p:clrMapOvr>
+    <a:masterClrMapping/>
+  </p:clrMapOvr>
+</p:sld>
+</file>
+
+<file path=ppt/slides/slide3.xml><?xml version="1.0" encoding="utf-8"?>
+<p:sld xmlns:a="http://schemas.openxmlformats.org/drawingml/2006/main" xmlns:r="http://schemas.openxmlformats.org/officeDocument/2006/relationships" xmlns:p="http://schemas.openxmlformats.org/presentationml/2006/main">
+  <p:cSld>
+    <p:spTree>
+      <p:nvGrpSpPr>
+        <p:cNvPr id="1" name=""/>
+        <p:cNvGrpSpPr/>
+        <p:nvPr/>
+      </p:nvGrpSpPr>
+      <p:grpSpPr>
+        <a:xfrm>
+          <a:off x="0" y="0"/>
+          <a:ext cx="0" cy="0"/>
+          <a:chOff x="0" y="0"/>
+          <a:chExt cx="0" cy="0"/>
+        </a:xfrm>
+      </p:grpSpPr>
+      <p:pic>
+        <p:nvPicPr>
+          <p:cNvPr id="7" name="Imagen 6">
+            <a:extLst>
+              <a:ext uri="{FF2B5EF4-FFF2-40B4-BE49-F238E27FC236}">
+                <a16:creationId xmlns:a16="http://schemas.microsoft.com/office/drawing/2014/main" id="{9DEC2749-25D1-410B-BC4B-AC4A8A624518}"/>
+              </a:ext>
+            </a:extLst>
+          </p:cNvPr>
+          <p:cNvPicPr>
+            <a:picLocks noChangeAspect="1"/>
+          </p:cNvPicPr>
+          <p:nvPr/>
+        </p:nvPicPr>
+        <p:blipFill>
+          <a:blip r:embed="rId2"/>
+          <a:stretch>
+            <a:fillRect/>
+          </a:stretch>
+        </p:blipFill>
+        <p:spPr>
+          <a:xfrm>
+            <a:off x="1957952" y="1690688"/>
+            <a:ext cx="8276095" cy="4457022"/>
+          </a:xfrm>
+          <a:prstGeom prst="rect">
+            <a:avLst/>
+          </a:prstGeom>
+        </p:spPr>
+      </p:pic>
+      <p:sp>
+        <p:nvSpPr>
+          <p:cNvPr id="2" name="Título 1">
+            <a:extLst>
+              <a:ext uri="{FF2B5EF4-FFF2-40B4-BE49-F238E27FC236}">
+                <a16:creationId xmlns:a16="http://schemas.microsoft.com/office/drawing/2014/main" id="{9B65E9D7-94C7-4479-8FE0-A22F3F217F10}"/>
+              </a:ext>
+            </a:extLst>
+          </p:cNvPr>
+          <p:cNvSpPr>
+            <a:spLocks noGrp="1"/>
+          </p:cNvSpPr>
+          <p:nvPr>
+            <p:ph type="title"/>
+          </p:nvPr>
+        </p:nvSpPr>
+        <p:spPr/>
+        <p:txBody>
+          <a:bodyPr/>
+          <a:lstStyle/>
+          <a:p>
+            <a:r>
+              <a:rPr lang="es-MX" dirty="0"/>
+              <a:t>Id Android </a:t>
+            </a:r>
+            <a:r>
+              <a:rPr lang="es-MX" dirty="0" err="1"/>
+              <a:t>strudio</a:t>
+            </a:r>
+            <a:endParaRPr lang="es-MX" dirty="0"/>
+          </a:p>
+        </p:txBody>
+      </p:sp>
+    </p:spTree>
+    <p:extLst>
+      <p:ext uri="{BB962C8B-B14F-4D97-AF65-F5344CB8AC3E}">
+        <p14:creationId xmlns:p14="http://schemas.microsoft.com/office/powerpoint/2010/main" val="237809896"/>
+      </p:ext>
+    </p:extLst>
+  </p:cSld>
+  <p:clrMapOvr>
+    <a:masterClrMapping/>
+  </p:clrMapOvr>
+</p:sld>
+</file>
+
+<file path=ppt/slides/slide4.xml><?xml version="1.0" encoding="utf-8"?>
+<p:sld xmlns:a="http://schemas.openxmlformats.org/drawingml/2006/main" xmlns:r="http://schemas.openxmlformats.org/officeDocument/2006/relationships" xmlns:p="http://schemas.openxmlformats.org/presentationml/2006/main">
+  <p:cSld>
+    <p:spTree>
+      <p:nvGrpSpPr>
+        <p:cNvPr id="1" name=""/>
+        <p:cNvGrpSpPr/>
+        <p:nvPr/>
+      </p:nvGrpSpPr>
+      <p:grpSpPr>
+        <a:xfrm>
+          <a:off x="0" y="0"/>
+          <a:ext cx="0" cy="0"/>
+          <a:chOff x="0" y="0"/>
+          <a:chExt cx="0" cy="0"/>
+        </a:xfrm>
+      </p:grpSpPr>
+      <p:sp>
+        <p:nvSpPr>
+          <p:cNvPr id="2" name="Título 1">
+            <a:extLst>
+              <a:ext uri="{FF2B5EF4-FFF2-40B4-BE49-F238E27FC236}">
+                <a16:creationId xmlns:a16="http://schemas.microsoft.com/office/drawing/2014/main" id="{9B65E9D7-94C7-4479-8FE0-A22F3F217F10}"/>
+              </a:ext>
+            </a:extLst>
+          </p:cNvPr>
+          <p:cNvSpPr>
+            <a:spLocks noGrp="1"/>
+          </p:cNvSpPr>
+          <p:nvPr>
+            <p:ph type="title"/>
+          </p:nvPr>
+        </p:nvSpPr>
+        <p:spPr/>
+        <p:txBody>
+          <a:bodyPr/>
+          <a:lstStyle/>
+          <a:p>
+            <a:r>
+              <a:rPr lang="es-MX" dirty="0" err="1"/>
+              <a:t>Injeccion</a:t>
+            </a:r>
+            <a:r>
+              <a:rPr lang="es-MX" dirty="0"/>
+              <a:t> de dependencias en Android</a:t>
+            </a:r>
+          </a:p>
+        </p:txBody>
+      </p:sp>
+      <p:pic>
+        <p:nvPicPr>
+          <p:cNvPr id="3" name="Imagen 2">
+            <a:extLst>
+              <a:ext uri="{FF2B5EF4-FFF2-40B4-BE49-F238E27FC236}">
+                <a16:creationId xmlns:a16="http://schemas.microsoft.com/office/drawing/2014/main" id="{C4E27FD9-C163-4D28-B47B-B0A24CB4D1C5}"/>
+              </a:ext>
+            </a:extLst>
+          </p:cNvPr>
+          <p:cNvPicPr>
+            <a:picLocks noChangeAspect="1"/>
+          </p:cNvPicPr>
+          <p:nvPr/>
+        </p:nvPicPr>
+        <p:blipFill>
+          <a:blip r:embed="rId2"/>
+          <a:stretch>
+            <a:fillRect/>
+          </a:stretch>
+        </p:blipFill>
+        <p:spPr>
+          <a:xfrm>
+            <a:off x="1957952" y="1690688"/>
+            <a:ext cx="8276095" cy="4457022"/>
+          </a:xfrm>
+          <a:prstGeom prst="rect">
+            <a:avLst/>
+          </a:prstGeom>
         </p:spPr>
       </p:pic>
     </p:spTree>
     <p:extLst>
       <p:ext uri="{BB962C8B-B14F-4D97-AF65-F5344CB8AC3E}">
-        <p14:creationId xmlns:p14="http://schemas.microsoft.com/office/powerpoint/2010/main" val="2363198475"/>
+        <p14:creationId xmlns:p14="http://schemas.microsoft.com/office/powerpoint/2010/main" val="876725572"/>
+      </p:ext>
+    </p:extLst>
+  </p:cSld>
+  <p:clrMapOvr>
+    <a:masterClrMapping/>
+  </p:clrMapOvr>
+</p:sld>
+</file>
+
+<file path=ppt/slides/slide5.xml><?xml version="1.0" encoding="utf-8"?>
+<p:sld xmlns:a="http://schemas.openxmlformats.org/drawingml/2006/main" xmlns:r="http://schemas.openxmlformats.org/officeDocument/2006/relationships" xmlns:p="http://schemas.openxmlformats.org/presentationml/2006/main">
+  <p:cSld>
+    <p:spTree>
+      <p:nvGrpSpPr>
+        <p:cNvPr id="1" name=""/>
+        <p:cNvGrpSpPr/>
+        <p:nvPr/>
+      </p:nvGrpSpPr>
+      <p:grpSpPr>
+        <a:xfrm>
+          <a:off x="0" y="0"/>
+          <a:ext cx="0" cy="0"/>
+          <a:chOff x="0" y="0"/>
+          <a:chExt cx="0" cy="0"/>
+        </a:xfrm>
+      </p:grpSpPr>
+      <p:sp>
+        <p:nvSpPr>
+          <p:cNvPr id="2" name="Título 1">
+            <a:extLst>
+              <a:ext uri="{FF2B5EF4-FFF2-40B4-BE49-F238E27FC236}">
+                <a16:creationId xmlns:a16="http://schemas.microsoft.com/office/drawing/2014/main" id="{9B65E9D7-94C7-4479-8FE0-A22F3F217F10}"/>
+              </a:ext>
+            </a:extLst>
+          </p:cNvPr>
+          <p:cNvSpPr>
+            <a:spLocks noGrp="1"/>
+          </p:cNvSpPr>
+          <p:nvPr>
+            <p:ph type="title"/>
+          </p:nvPr>
+        </p:nvSpPr>
+        <p:spPr/>
+        <p:txBody>
+          <a:bodyPr/>
+          <a:lstStyle/>
+          <a:p>
+            <a:r>
+              <a:rPr lang="es-MX" dirty="0"/>
+              <a:t>Configuración principal de proyecto</a:t>
+            </a:r>
+          </a:p>
+        </p:txBody>
+      </p:sp>
+      <p:pic>
+        <p:nvPicPr>
+          <p:cNvPr id="5" name="Imagen 4">
+            <a:extLst>
+              <a:ext uri="{FF2B5EF4-FFF2-40B4-BE49-F238E27FC236}">
+                <a16:creationId xmlns:a16="http://schemas.microsoft.com/office/drawing/2014/main" id="{E6E952C7-4EE6-4204-8AD2-69DB98155392}"/>
+              </a:ext>
+            </a:extLst>
+          </p:cNvPr>
+          <p:cNvPicPr>
+            <a:picLocks noChangeAspect="1"/>
+          </p:cNvPicPr>
+          <p:nvPr/>
+        </p:nvPicPr>
+        <p:blipFill>
+          <a:blip r:embed="rId2"/>
+          <a:stretch>
+            <a:fillRect/>
+          </a:stretch>
+        </p:blipFill>
+        <p:spPr>
+          <a:xfrm>
+            <a:off x="1957952" y="1690689"/>
+            <a:ext cx="8276095" cy="4457022"/>
+          </a:xfrm>
+          <a:prstGeom prst="rect">
+            <a:avLst/>
+          </a:prstGeom>
+        </p:spPr>
+      </p:pic>
+    </p:spTree>
+    <p:extLst>
+      <p:ext uri="{BB962C8B-B14F-4D97-AF65-F5344CB8AC3E}">
+        <p14:creationId xmlns:p14="http://schemas.microsoft.com/office/powerpoint/2010/main" val="1370931693"/>
+      </p:ext>
+    </p:extLst>
+  </p:cSld>
+  <p:clrMapOvr>
+    <a:masterClrMapping/>
+  </p:clrMapOvr>
+</p:sld>
+</file>
+
+<file path=ppt/slides/slide6.xml><?xml version="1.0" encoding="utf-8"?>
+<p:sld xmlns:a="http://schemas.openxmlformats.org/drawingml/2006/main" xmlns:r="http://schemas.openxmlformats.org/officeDocument/2006/relationships" xmlns:p="http://schemas.openxmlformats.org/presentationml/2006/main">
+  <p:cSld>
+    <p:spTree>
+      <p:nvGrpSpPr>
+        <p:cNvPr id="1" name=""/>
+        <p:cNvGrpSpPr/>
+        <p:nvPr/>
+      </p:nvGrpSpPr>
+      <p:grpSpPr>
+        <a:xfrm>
+          <a:off x="0" y="0"/>
+          <a:ext cx="0" cy="0"/>
+          <a:chOff x="0" y="0"/>
+          <a:chExt cx="0" cy="0"/>
+        </a:xfrm>
+      </p:grpSpPr>
+      <p:sp>
+        <p:nvSpPr>
+          <p:cNvPr id="2" name="Título 1">
+            <a:extLst>
+              <a:ext uri="{FF2B5EF4-FFF2-40B4-BE49-F238E27FC236}">
+                <a16:creationId xmlns:a16="http://schemas.microsoft.com/office/drawing/2014/main" id="{9B65E9D7-94C7-4479-8FE0-A22F3F217F10}"/>
+              </a:ext>
+            </a:extLst>
+          </p:cNvPr>
+          <p:cNvSpPr>
+            <a:spLocks noGrp="1"/>
+          </p:cNvSpPr>
+          <p:nvPr>
+            <p:ph type="title"/>
+          </p:nvPr>
+        </p:nvSpPr>
+        <p:spPr/>
+        <p:txBody>
+          <a:bodyPr/>
+          <a:lstStyle/>
+          <a:p>
+            <a:r>
+              <a:rPr lang="es-MX" dirty="0"/>
+              <a:t>Clases java</a:t>
+            </a:r>
+          </a:p>
+        </p:txBody>
+      </p:sp>
+      <p:pic>
+        <p:nvPicPr>
+          <p:cNvPr id="4" name="Imagen 3">
+            <a:extLst>
+              <a:ext uri="{FF2B5EF4-FFF2-40B4-BE49-F238E27FC236}">
+                <a16:creationId xmlns:a16="http://schemas.microsoft.com/office/drawing/2014/main" id="{2D0DF925-2E7D-4FCF-822D-B3CD0B1B0BB6}"/>
+              </a:ext>
+            </a:extLst>
+          </p:cNvPr>
+          <p:cNvPicPr>
+            <a:picLocks noChangeAspect="1"/>
+          </p:cNvPicPr>
+          <p:nvPr/>
+        </p:nvPicPr>
+        <p:blipFill>
+          <a:blip r:embed="rId2"/>
+          <a:stretch>
+            <a:fillRect/>
+          </a:stretch>
+        </p:blipFill>
+        <p:spPr>
+          <a:xfrm>
+            <a:off x="1957952" y="1690688"/>
+            <a:ext cx="8276095" cy="4414161"/>
+          </a:xfrm>
+          <a:prstGeom prst="rect">
+            <a:avLst/>
+          </a:prstGeom>
+        </p:spPr>
+      </p:pic>
+    </p:spTree>
+    <p:extLst>
+      <p:ext uri="{BB962C8B-B14F-4D97-AF65-F5344CB8AC3E}">
+        <p14:creationId xmlns:p14="http://schemas.microsoft.com/office/powerpoint/2010/main" val="2041370297"/>
+      </p:ext>
+    </p:extLst>
+  </p:cSld>
+  <p:clrMapOvr>
+    <a:masterClrMapping/>
+  </p:clrMapOvr>
+</p:sld>
+</file>
+
+<file path=ppt/slides/slide7.xml><?xml version="1.0" encoding="utf-8"?>
+<p:sld xmlns:a="http://schemas.openxmlformats.org/drawingml/2006/main" xmlns:r="http://schemas.openxmlformats.org/officeDocument/2006/relationships" xmlns:p="http://schemas.openxmlformats.org/presentationml/2006/main">
+  <p:cSld>
+    <p:spTree>
+      <p:nvGrpSpPr>
+        <p:cNvPr id="1" name=""/>
+        <p:cNvGrpSpPr/>
+        <p:nvPr/>
+      </p:nvGrpSpPr>
+      <p:grpSpPr>
+        <a:xfrm>
+          <a:off x="0" y="0"/>
+          <a:ext cx="0" cy="0"/>
+          <a:chOff x="0" y="0"/>
+          <a:chExt cx="0" cy="0"/>
+        </a:xfrm>
+      </p:grpSpPr>
+      <p:sp>
+        <p:nvSpPr>
+          <p:cNvPr id="2" name="Título 1">
+            <a:extLst>
+              <a:ext uri="{FF2B5EF4-FFF2-40B4-BE49-F238E27FC236}">
+                <a16:creationId xmlns:a16="http://schemas.microsoft.com/office/drawing/2014/main" id="{9B65E9D7-94C7-4479-8FE0-A22F3F217F10}"/>
+              </a:ext>
+            </a:extLst>
+          </p:cNvPr>
+          <p:cNvSpPr>
+            <a:spLocks noGrp="1"/>
+          </p:cNvSpPr>
+          <p:nvPr>
+            <p:ph type="title"/>
+          </p:nvPr>
+        </p:nvSpPr>
+        <p:spPr/>
+        <p:txBody>
+          <a:bodyPr/>
+          <a:lstStyle/>
+          <a:p>
+            <a:r>
+              <a:rPr lang="es-MX" dirty="0"/>
+              <a:t>recursos</a:t>
+            </a:r>
+          </a:p>
+        </p:txBody>
+      </p:sp>
+      <p:pic>
+        <p:nvPicPr>
+          <p:cNvPr id="5" name="Imagen 4">
+            <a:extLst>
+              <a:ext uri="{FF2B5EF4-FFF2-40B4-BE49-F238E27FC236}">
+                <a16:creationId xmlns:a16="http://schemas.microsoft.com/office/drawing/2014/main" id="{07039EA7-77F0-4CBD-83F5-7C370C42DFBF}"/>
+              </a:ext>
+            </a:extLst>
+          </p:cNvPr>
+          <p:cNvPicPr>
+            <a:picLocks noChangeAspect="1"/>
+          </p:cNvPicPr>
+          <p:nvPr/>
+        </p:nvPicPr>
+        <p:blipFill>
+          <a:blip r:embed="rId2"/>
+          <a:stretch>
+            <a:fillRect/>
+          </a:stretch>
+        </p:blipFill>
+        <p:spPr>
+          <a:xfrm>
+            <a:off x="1957952" y="1690688"/>
+            <a:ext cx="8276095" cy="4414161"/>
+          </a:xfrm>
+          <a:prstGeom prst="rect">
+            <a:avLst/>
+          </a:prstGeom>
+        </p:spPr>
+      </p:pic>
+    </p:spTree>
+    <p:extLst>
+      <p:ext uri="{BB962C8B-B14F-4D97-AF65-F5344CB8AC3E}">
+        <p14:creationId xmlns:p14="http://schemas.microsoft.com/office/powerpoint/2010/main" val="4026556383"/>
+      </p:ext>
+    </p:extLst>
+  </p:cSld>
+  <p:clrMapOvr>
+    <a:masterClrMapping/>
+  </p:clrMapOvr>
+</p:sld>
+</file>
+
+<file path=ppt/slides/slide8.xml><?xml version="1.0" encoding="utf-8"?>
+<p:sld xmlns:a="http://schemas.openxmlformats.org/drawingml/2006/main" xmlns:r="http://schemas.openxmlformats.org/officeDocument/2006/relationships" xmlns:p="http://schemas.openxmlformats.org/presentationml/2006/main">
+  <p:cSld>
+    <p:spTree>
+      <p:nvGrpSpPr>
+        <p:cNvPr id="1" name=""/>
+        <p:cNvGrpSpPr/>
+        <p:nvPr/>
+      </p:nvGrpSpPr>
+      <p:grpSpPr>
+        <a:xfrm>
+          <a:off x="0" y="0"/>
+          <a:ext cx="0" cy="0"/>
+          <a:chOff x="0" y="0"/>
+          <a:chExt cx="0" cy="0"/>
+        </a:xfrm>
+      </p:grpSpPr>
+      <p:sp>
+        <p:nvSpPr>
+          <p:cNvPr id="2" name="Título 1">
+            <a:extLst>
+              <a:ext uri="{FF2B5EF4-FFF2-40B4-BE49-F238E27FC236}">
+                <a16:creationId xmlns:a16="http://schemas.microsoft.com/office/drawing/2014/main" id="{9B65E9D7-94C7-4479-8FE0-A22F3F217F10}"/>
+              </a:ext>
+            </a:extLst>
+          </p:cNvPr>
+          <p:cNvSpPr>
+            <a:spLocks noGrp="1"/>
+          </p:cNvSpPr>
+          <p:nvPr>
+            <p:ph type="title"/>
+          </p:nvPr>
+        </p:nvSpPr>
+        <p:spPr/>
+        <p:txBody>
+          <a:bodyPr/>
+          <a:lstStyle/>
+          <a:p>
+            <a:r>
+              <a:rPr lang="es-MX" dirty="0"/>
+              <a:t>Imágenes vectores </a:t>
+            </a:r>
+            <a:r>
+              <a:rPr lang="es-MX" dirty="0" err="1"/>
+              <a:t>shapes</a:t>
+            </a:r>
+            <a:r>
+              <a:rPr lang="es-MX" dirty="0"/>
+              <a:t> y </a:t>
+            </a:r>
+            <a:r>
+              <a:rPr lang="es-MX" dirty="0" err="1"/>
+              <a:t>xml</a:t>
+            </a:r>
+            <a:endParaRPr lang="es-MX" dirty="0"/>
+          </a:p>
+        </p:txBody>
+      </p:sp>
+      <p:pic>
+        <p:nvPicPr>
+          <p:cNvPr id="5" name="Imagen 4">
+            <a:extLst>
+              <a:ext uri="{FF2B5EF4-FFF2-40B4-BE49-F238E27FC236}">
+                <a16:creationId xmlns:a16="http://schemas.microsoft.com/office/drawing/2014/main" id="{07039EA7-77F0-4CBD-83F5-7C370C42DFBF}"/>
+              </a:ext>
+            </a:extLst>
+          </p:cNvPr>
+          <p:cNvPicPr>
+            <a:picLocks noChangeAspect="1"/>
+          </p:cNvPicPr>
+          <p:nvPr/>
+        </p:nvPicPr>
+        <p:blipFill>
+          <a:blip r:embed="rId2"/>
+          <a:stretch>
+            <a:fillRect/>
+          </a:stretch>
+        </p:blipFill>
+        <p:spPr>
+          <a:xfrm>
+            <a:off x="1957952" y="1690688"/>
+            <a:ext cx="8276095" cy="4414161"/>
+          </a:xfrm>
+          <a:prstGeom prst="rect">
+            <a:avLst/>
+          </a:prstGeom>
+        </p:spPr>
+      </p:pic>
+      <p:pic>
+        <p:nvPicPr>
+          <p:cNvPr id="4" name="Imagen 3">
+            <a:extLst>
+              <a:ext uri="{FF2B5EF4-FFF2-40B4-BE49-F238E27FC236}">
+                <a16:creationId xmlns:a16="http://schemas.microsoft.com/office/drawing/2014/main" id="{6E5BC468-4FA6-4975-8A03-31CF77A62C8C}"/>
+              </a:ext>
+            </a:extLst>
+          </p:cNvPr>
+          <p:cNvPicPr>
+            <a:picLocks noChangeAspect="1"/>
+          </p:cNvPicPr>
+          <p:nvPr/>
+        </p:nvPicPr>
+        <p:blipFill rotWithShape="1">
+          <a:blip r:embed="rId3"/>
+          <a:srcRect r="22407"/>
+          <a:stretch/>
+        </p:blipFill>
+        <p:spPr>
+          <a:xfrm>
+            <a:off x="1957952" y="1690688"/>
+            <a:ext cx="9447876" cy="4414160"/>
+          </a:xfrm>
+          <a:prstGeom prst="rect">
+            <a:avLst/>
+          </a:prstGeom>
+        </p:spPr>
+      </p:pic>
+    </p:spTree>
+    <p:extLst>
+      <p:ext uri="{BB962C8B-B14F-4D97-AF65-F5344CB8AC3E}">
+        <p14:creationId xmlns:p14="http://schemas.microsoft.com/office/powerpoint/2010/main" val="953369763"/>
+      </p:ext>
+    </p:extLst>
+  </p:cSld>
+  <p:clrMapOvr>
+    <a:masterClrMapping/>
+  </p:clrMapOvr>
+</p:sld>
+</file>
+
+<file path=ppt/slides/slide9.xml><?xml version="1.0" encoding="utf-8"?>
+<p:sld xmlns:a="http://schemas.openxmlformats.org/drawingml/2006/main" xmlns:r="http://schemas.openxmlformats.org/officeDocument/2006/relationships" xmlns:p="http://schemas.openxmlformats.org/presentationml/2006/main">
+  <p:cSld>
+    <p:spTree>
+      <p:nvGrpSpPr>
+        <p:cNvPr id="1" name=""/>
+        <p:cNvGrpSpPr/>
+        <p:nvPr/>
+      </p:nvGrpSpPr>
+      <p:grpSpPr>
+        <a:xfrm>
+          <a:off x="0" y="0"/>
+          <a:ext cx="0" cy="0"/>
+          <a:chOff x="0" y="0"/>
+          <a:chExt cx="0" cy="0"/>
+        </a:xfrm>
+      </p:grpSpPr>
+      <p:sp>
+        <p:nvSpPr>
+          <p:cNvPr id="2" name="Título 1">
+            <a:extLst>
+              <a:ext uri="{FF2B5EF4-FFF2-40B4-BE49-F238E27FC236}">
+                <a16:creationId xmlns:a16="http://schemas.microsoft.com/office/drawing/2014/main" id="{9B65E9D7-94C7-4479-8FE0-A22F3F217F10}"/>
+              </a:ext>
+            </a:extLst>
+          </p:cNvPr>
+          <p:cNvSpPr>
+            <a:spLocks noGrp="1"/>
+          </p:cNvSpPr>
+          <p:nvPr>
+            <p:ph type="title"/>
+          </p:nvPr>
+        </p:nvSpPr>
+        <p:spPr/>
+        <p:txBody>
+          <a:bodyPr/>
+          <a:lstStyle/>
+          <a:p>
+            <a:r>
+              <a:rPr lang="es-MX" dirty="0" err="1"/>
+              <a:t>layouts</a:t>
+            </a:r>
+            <a:endParaRPr lang="es-MX" dirty="0"/>
+          </a:p>
+        </p:txBody>
+      </p:sp>
+      <p:pic>
+        <p:nvPicPr>
+          <p:cNvPr id="5" name="Imagen 4">
+            <a:extLst>
+              <a:ext uri="{FF2B5EF4-FFF2-40B4-BE49-F238E27FC236}">
+                <a16:creationId xmlns:a16="http://schemas.microsoft.com/office/drawing/2014/main" id="{07039EA7-77F0-4CBD-83F5-7C370C42DFBF}"/>
+              </a:ext>
+            </a:extLst>
+          </p:cNvPr>
+          <p:cNvPicPr>
+            <a:picLocks noChangeAspect="1"/>
+          </p:cNvPicPr>
+          <p:nvPr/>
+        </p:nvPicPr>
+        <p:blipFill>
+          <a:blip r:embed="rId2"/>
+          <a:stretch>
+            <a:fillRect/>
+          </a:stretch>
+        </p:blipFill>
+        <p:spPr>
+          <a:xfrm>
+            <a:off x="1957952" y="1690688"/>
+            <a:ext cx="8276095" cy="4414161"/>
+          </a:xfrm>
+          <a:prstGeom prst="rect">
+            <a:avLst/>
+          </a:prstGeom>
+        </p:spPr>
+      </p:pic>
+      <p:pic>
+        <p:nvPicPr>
+          <p:cNvPr id="7" name="Imagen 6">
+            <a:extLst>
+              <a:ext uri="{FF2B5EF4-FFF2-40B4-BE49-F238E27FC236}">
+                <a16:creationId xmlns:a16="http://schemas.microsoft.com/office/drawing/2014/main" id="{0A9F3B1D-FF90-4EEC-AEDE-53A0BE5A621E}"/>
+              </a:ext>
+            </a:extLst>
+          </p:cNvPr>
+          <p:cNvPicPr>
+            <a:picLocks noChangeAspect="1"/>
+          </p:cNvPicPr>
+          <p:nvPr/>
+        </p:nvPicPr>
+        <p:blipFill>
+          <a:blip r:embed="rId3"/>
+          <a:stretch>
+            <a:fillRect/>
+          </a:stretch>
+        </p:blipFill>
+        <p:spPr>
+          <a:xfrm>
+            <a:off x="1957952" y="1690688"/>
+            <a:ext cx="8276095" cy="4414161"/>
+          </a:xfrm>
+          <a:prstGeom prst="rect">
+            <a:avLst/>
+          </a:prstGeom>
+        </p:spPr>
+      </p:pic>
+    </p:spTree>
+    <p:extLst>
+      <p:ext uri="{BB962C8B-B14F-4D97-AF65-F5344CB8AC3E}">
+        <p14:creationId xmlns:p14="http://schemas.microsoft.com/office/powerpoint/2010/main" val="3937937645"/>
       </p:ext>
     </p:extLst>
   </p:cSld>
